--- a/Docs/Game presentation.pptx
+++ b/Docs/Game presentation.pptx
@@ -796,7 +796,7 @@
   <p:cSld>
     <p:spTree>
       <p:nvGrpSpPr>
-        <p:cNvPr id="56" name="Shape 56"/>
+        <p:cNvPr id="59" name="Shape 59"/>
         <p:cNvGrpSpPr/>
         <p:nvPr/>
       </p:nvGrpSpPr>
@@ -810,7 +810,7 @@
       </p:grpSpPr>
       <p:sp>
         <p:nvSpPr>
-          <p:cNvPr id="57" name="Google Shape;57;g62281a40de_0_47:notes"/>
+          <p:cNvPr id="60" name="Google Shape;60;g62281a40de_0_47:notes"/>
           <p:cNvSpPr/>
           <p:nvPr>
             <p:ph idx="2" type="sldImg"/>
@@ -845,7 +845,7 @@
       </p:sp>
       <p:sp>
         <p:nvSpPr>
-          <p:cNvPr id="58" name="Google Shape;58;g62281a40de_0_47:notes"/>
+          <p:cNvPr id="61" name="Google Shape;61;g62281a40de_0_47:notes"/>
           <p:cNvSpPr txBox="1"/>
           <p:nvPr>
             <p:ph idx="1" type="body"/>
@@ -895,7 +895,7 @@
   <p:cSld>
     <p:spTree>
       <p:nvGrpSpPr>
-        <p:cNvPr id="62" name="Shape 62"/>
+        <p:cNvPr id="65" name="Shape 65"/>
         <p:cNvGrpSpPr/>
         <p:nvPr/>
       </p:nvGrpSpPr>
@@ -909,7 +909,7 @@
       </p:grpSpPr>
       <p:sp>
         <p:nvSpPr>
-          <p:cNvPr id="63" name="Google Shape;63;g62281a40de_0_67:notes"/>
+          <p:cNvPr id="66" name="Google Shape;66;g62281a40de_0_67:notes"/>
           <p:cNvSpPr/>
           <p:nvPr>
             <p:ph idx="2" type="sldImg"/>
@@ -944,7 +944,7 @@
       </p:sp>
       <p:sp>
         <p:nvSpPr>
-          <p:cNvPr id="64" name="Google Shape;64;g62281a40de_0_67:notes"/>
+          <p:cNvPr id="67" name="Google Shape;67;g62281a40de_0_67:notes"/>
           <p:cNvSpPr txBox="1"/>
           <p:nvPr>
             <p:ph idx="1" type="body"/>
@@ -994,7 +994,7 @@
   <p:cSld>
     <p:spTree>
       <p:nvGrpSpPr>
-        <p:cNvPr id="68" name="Shape 68"/>
+        <p:cNvPr id="71" name="Shape 71"/>
         <p:cNvGrpSpPr/>
         <p:nvPr/>
       </p:nvGrpSpPr>
@@ -1008,7 +1008,7 @@
       </p:grpSpPr>
       <p:sp>
         <p:nvSpPr>
-          <p:cNvPr id="69" name="Google Shape;69;g62281a40de_0_52:notes"/>
+          <p:cNvPr id="72" name="Google Shape;72;g62281a40de_0_52:notes"/>
           <p:cNvSpPr/>
           <p:nvPr>
             <p:ph idx="2" type="sldImg"/>
@@ -1043,7 +1043,7 @@
       </p:sp>
       <p:sp>
         <p:nvSpPr>
-          <p:cNvPr id="70" name="Google Shape;70;g62281a40de_0_52:notes"/>
+          <p:cNvPr id="73" name="Google Shape;73;g62281a40de_0_52:notes"/>
           <p:cNvSpPr txBox="1"/>
           <p:nvPr>
             <p:ph idx="1" type="body"/>
@@ -1093,7 +1093,7 @@
   <p:cSld>
     <p:spTree>
       <p:nvGrpSpPr>
-        <p:cNvPr id="75" name="Shape 75"/>
+        <p:cNvPr id="78" name="Shape 78"/>
         <p:cNvGrpSpPr/>
         <p:nvPr/>
       </p:nvGrpSpPr>
@@ -1107,7 +1107,7 @@
       </p:grpSpPr>
       <p:sp>
         <p:nvSpPr>
-          <p:cNvPr id="76" name="Google Shape;76;g62281a40de_0_82:notes"/>
+          <p:cNvPr id="79" name="Google Shape;79;g62281a40de_0_57:notes"/>
           <p:cNvSpPr/>
           <p:nvPr>
             <p:ph idx="2" type="sldImg"/>
@@ -1142,7 +1142,7 @@
       </p:sp>
       <p:sp>
         <p:nvSpPr>
-          <p:cNvPr id="77" name="Google Shape;77;g62281a40de_0_82:notes"/>
+          <p:cNvPr id="80" name="Google Shape;80;g62281a40de_0_57:notes"/>
           <p:cNvSpPr txBox="1"/>
           <p:nvPr>
             <p:ph idx="1" type="body"/>
@@ -1192,7 +1192,7 @@
   <p:cSld>
     <p:spTree>
       <p:nvGrpSpPr>
-        <p:cNvPr id="82" name="Shape 82"/>
+        <p:cNvPr id="84" name="Shape 84"/>
         <p:cNvGrpSpPr/>
         <p:nvPr/>
       </p:nvGrpSpPr>
@@ -1206,7 +1206,7 @@
       </p:grpSpPr>
       <p:sp>
         <p:nvSpPr>
-          <p:cNvPr id="83" name="Google Shape;83;g62281a40de_0_57:notes"/>
+          <p:cNvPr id="85" name="Google Shape;85;g62281a40de_0_62:notes"/>
           <p:cNvSpPr/>
           <p:nvPr>
             <p:ph idx="2" type="sldImg"/>
@@ -1241,7 +1241,7 @@
       </p:sp>
       <p:sp>
         <p:nvSpPr>
-          <p:cNvPr id="84" name="Google Shape;84;g62281a40de_0_57:notes"/>
+          <p:cNvPr id="86" name="Google Shape;86;g62281a40de_0_62:notes"/>
           <p:cNvSpPr txBox="1"/>
           <p:nvPr>
             <p:ph idx="1" type="body"/>
@@ -1291,7 +1291,7 @@
   <p:cSld>
     <p:spTree>
       <p:nvGrpSpPr>
-        <p:cNvPr id="88" name="Shape 88"/>
+        <p:cNvPr id="90" name="Shape 90"/>
         <p:cNvGrpSpPr/>
         <p:nvPr/>
       </p:nvGrpSpPr>
@@ -1305,7 +1305,7 @@
       </p:grpSpPr>
       <p:sp>
         <p:nvSpPr>
-          <p:cNvPr id="89" name="Google Shape;89;g62281a40de_0_62:notes"/>
+          <p:cNvPr id="91" name="Google Shape;91;g62281a40de_4_0:notes"/>
           <p:cNvSpPr/>
           <p:nvPr>
             <p:ph idx="2" type="sldImg"/>
@@ -1340,7 +1340,7 @@
       </p:sp>
       <p:sp>
         <p:nvSpPr>
-          <p:cNvPr id="90" name="Google Shape;90;g62281a40de_0_62:notes"/>
+          <p:cNvPr id="92" name="Google Shape;92;g62281a40de_4_0:notes"/>
           <p:cNvSpPr txBox="1"/>
           <p:nvPr>
             <p:ph idx="1" type="body"/>
@@ -6194,6 +6194,90 @@
           </a:p>
         </p:txBody>
       </p:sp>
+      <p:pic>
+        <p:nvPicPr>
+          <p:cNvPr id="56" name="Google Shape;56;p13"/>
+          <p:cNvPicPr preferRelativeResize="0"/>
+          <p:nvPr/>
+        </p:nvPicPr>
+        <p:blipFill>
+          <a:blip r:embed="rId3">
+            <a:alphaModFix/>
+          </a:blip>
+          <a:stretch>
+            <a:fillRect/>
+          </a:stretch>
+        </p:blipFill>
+        <p:spPr>
+          <a:xfrm>
+            <a:off x="6007777" y="3385900"/>
+            <a:ext cx="2823593" cy="1589925"/>
+          </a:xfrm>
+          <a:prstGeom prst="rect">
+            <a:avLst/>
+          </a:prstGeom>
+          <a:noFill/>
+          <a:ln>
+            <a:noFill/>
+          </a:ln>
+        </p:spPr>
+      </p:pic>
+      <p:pic>
+        <p:nvPicPr>
+          <p:cNvPr id="57" name="Google Shape;57;p13"/>
+          <p:cNvPicPr preferRelativeResize="0"/>
+          <p:nvPr/>
+        </p:nvPicPr>
+        <p:blipFill>
+          <a:blip r:embed="rId4">
+            <a:alphaModFix/>
+          </a:blip>
+          <a:stretch>
+            <a:fillRect/>
+          </a:stretch>
+        </p:blipFill>
+        <p:spPr>
+          <a:xfrm>
+            <a:off x="357625" y="3385900"/>
+            <a:ext cx="2825075" cy="1589930"/>
+          </a:xfrm>
+          <a:prstGeom prst="rect">
+            <a:avLst/>
+          </a:prstGeom>
+          <a:noFill/>
+          <a:ln>
+            <a:noFill/>
+          </a:ln>
+        </p:spPr>
+      </p:pic>
+      <p:pic>
+        <p:nvPicPr>
+          <p:cNvPr id="58" name="Google Shape;58;p13"/>
+          <p:cNvPicPr preferRelativeResize="0"/>
+          <p:nvPr/>
+        </p:nvPicPr>
+        <p:blipFill>
+          <a:blip r:embed="rId5">
+            <a:alphaModFix/>
+          </a:blip>
+          <a:stretch>
+            <a:fillRect/>
+          </a:stretch>
+        </p:blipFill>
+        <p:spPr>
+          <a:xfrm>
+            <a:off x="3182702" y="3385900"/>
+            <a:ext cx="2825085" cy="1589925"/>
+          </a:xfrm>
+          <a:prstGeom prst="rect">
+            <a:avLst/>
+          </a:prstGeom>
+          <a:noFill/>
+          <a:ln>
+            <a:noFill/>
+          </a:ln>
+        </p:spPr>
+      </p:pic>
     </p:spTree>
   </p:cSld>
   <p:clrMapOvr>
@@ -6207,7 +6291,7 @@
   <p:cSld>
     <p:spTree>
       <p:nvGrpSpPr>
-        <p:cNvPr id="59" name="Shape 59"/>
+        <p:cNvPr id="62" name="Shape 62"/>
         <p:cNvGrpSpPr/>
         <p:nvPr/>
       </p:nvGrpSpPr>
@@ -6221,7 +6305,7 @@
       </p:grpSpPr>
       <p:sp>
         <p:nvSpPr>
-          <p:cNvPr id="60" name="Google Shape;60;p14"/>
+          <p:cNvPr id="63" name="Google Shape;63;p14"/>
           <p:cNvSpPr txBox="1"/>
           <p:nvPr>
             <p:ph type="title"/>
@@ -6261,7 +6345,7 @@
       </p:sp>
       <p:sp>
         <p:nvSpPr>
-          <p:cNvPr id="61" name="Google Shape;61;p14"/>
+          <p:cNvPr id="64" name="Google Shape;64;p14"/>
           <p:cNvSpPr txBox="1"/>
           <p:nvPr>
             <p:ph idx="1" type="body"/>
@@ -6351,29 +6435,13 @@
                 <a:spcPts val="1600"/>
               </a:spcBef>
               <a:spcAft>
-                <a:spcPts val="0"/>
+                <a:spcPts val="1600"/>
               </a:spcAft>
               <a:buNone/>
             </a:pPr>
             <a:r>
               <a:rPr lang="ru" sz="1200"/>
               <a:t>Також в мидгеймі будуть з'являтися штуки, які дозволяють автоматизувати рутинну, щось по типу бура який добуває базові ресурси і стакає їх в сундук.</a:t>
-            </a:r>
-            <a:endParaRPr sz="1200"/>
-          </a:p>
-          <a:p>
-            <a:pPr indent="0" lvl="0" marL="0" rtl="0" algn="l">
-              <a:spcBef>
-                <a:spcPts val="1600"/>
-              </a:spcBef>
-              <a:spcAft>
-                <a:spcPts val="1600"/>
-              </a:spcAft>
-              <a:buNone/>
-            </a:pPr>
-            <a:r>
-              <a:rPr lang="ru" sz="1200"/>
-              <a:t>[Ще канешно можна на стори і квести замахнутися, але кодити страшна. Типу каждий разраб хуесосить 4 вещи - туторіали, чити, квести і заскриптовану сюжетну шнягу. Того що кожне з цих існує в якомусь глобал скопі, сує свої методи в каждий клас, і заставляє гру працювати не так, як вона робить це в інших випадках. Можете читнути який ад був з квестами на Dragon Age (вроде вона, може поплутав з Divinity якоюсь). Ну типу сюда можна для солідності написати про таке, але навряд закодити встигнемо адекватно, та і наратив нема кому писати]</a:t>
             </a:r>
             <a:endParaRPr sz="1200"/>
           </a:p>
@@ -6392,7 +6460,7 @@
   <p:cSld>
     <p:spTree>
       <p:nvGrpSpPr>
-        <p:cNvPr id="65" name="Shape 65"/>
+        <p:cNvPr id="68" name="Shape 68"/>
         <p:cNvGrpSpPr/>
         <p:nvPr/>
       </p:nvGrpSpPr>
@@ -6406,7 +6474,7 @@
       </p:grpSpPr>
       <p:sp>
         <p:nvSpPr>
-          <p:cNvPr id="66" name="Google Shape;66;p15"/>
+          <p:cNvPr id="69" name="Google Shape;69;p15"/>
           <p:cNvSpPr txBox="1"/>
           <p:nvPr>
             <p:ph type="title"/>
@@ -6446,7 +6514,7 @@
       </p:sp>
       <p:sp>
         <p:nvSpPr>
-          <p:cNvPr id="67" name="Google Shape;67;p15"/>
+          <p:cNvPr id="70" name="Google Shape;70;p15"/>
           <p:cNvSpPr txBox="1"/>
           <p:nvPr>
             <p:ph idx="1" type="body"/>
@@ -6497,7 +6565,7 @@
   <p:cSld>
     <p:spTree>
       <p:nvGrpSpPr>
-        <p:cNvPr id="71" name="Shape 71"/>
+        <p:cNvPr id="74" name="Shape 74"/>
         <p:cNvGrpSpPr/>
         <p:nvPr/>
       </p:nvGrpSpPr>
@@ -6511,7 +6579,7 @@
       </p:grpSpPr>
       <p:sp>
         <p:nvSpPr>
-          <p:cNvPr id="72" name="Google Shape;72;p16"/>
+          <p:cNvPr id="75" name="Google Shape;75;p16"/>
           <p:cNvSpPr txBox="1"/>
           <p:nvPr>
             <p:ph type="title"/>
@@ -6551,7 +6619,7 @@
       </p:sp>
       <p:sp>
         <p:nvSpPr>
-          <p:cNvPr id="73" name="Google Shape;73;p16"/>
+          <p:cNvPr id="76" name="Google Shape;76;p16"/>
           <p:cNvSpPr txBox="1"/>
           <p:nvPr>
             <p:ph idx="1" type="body"/>
@@ -6643,7 +6711,7 @@
       </p:sp>
       <p:pic>
         <p:nvPicPr>
-          <p:cNvPr id="74" name="Google Shape;74;p16"/>
+          <p:cNvPr id="77" name="Google Shape;77;p16"/>
           <p:cNvPicPr preferRelativeResize="0"/>
           <p:nvPr/>
         </p:nvPicPr>
@@ -6682,7 +6750,7 @@
   <p:cSld>
     <p:spTree>
       <p:nvGrpSpPr>
-        <p:cNvPr id="78" name="Shape 78"/>
+        <p:cNvPr id="81" name="Shape 81"/>
         <p:cNvGrpSpPr/>
         <p:nvPr/>
       </p:nvGrpSpPr>
@@ -6696,7 +6764,7 @@
       </p:grpSpPr>
       <p:sp>
         <p:nvSpPr>
-          <p:cNvPr id="79" name="Google Shape;79;p17"/>
+          <p:cNvPr id="82" name="Google Shape;82;p17"/>
           <p:cNvSpPr txBox="1"/>
           <p:nvPr>
             <p:ph type="title"/>
@@ -6728,139 +6796,6 @@
             </a:pPr>
             <a:r>
               <a:rPr lang="ru"/>
-              <a:t>Our Competitors</a:t>
-            </a:r>
-            <a:endParaRPr/>
-          </a:p>
-        </p:txBody>
-      </p:sp>
-      <p:sp>
-        <p:nvSpPr>
-          <p:cNvPr id="80" name="Google Shape;80;p17"/>
-          <p:cNvSpPr txBox="1"/>
-          <p:nvPr>
-            <p:ph idx="1" type="body"/>
-          </p:nvPr>
-        </p:nvSpPr>
-        <p:spPr>
-          <a:xfrm>
-            <a:off x="5523725" y="1306275"/>
-            <a:ext cx="3308700" cy="3262800"/>
-          </a:xfrm>
-          <a:prstGeom prst="rect">
-            <a:avLst/>
-          </a:prstGeom>
-        </p:spPr>
-        <p:txBody>
-          <a:bodyPr anchorCtr="0" anchor="t" bIns="91425" lIns="91425" spcFirstLastPara="1" rIns="91425" wrap="square" tIns="91425">
-            <a:noAutofit/>
-          </a:bodyPr>
-          <a:lstStyle/>
-          <a:p>
-            <a:pPr indent="0" lvl="0" marL="0" rtl="0" algn="l">
-              <a:spcBef>
-                <a:spcPts val="0"/>
-              </a:spcBef>
-              <a:spcAft>
-                <a:spcPts val="1600"/>
-              </a:spcAft>
-              <a:buNone/>
-            </a:pPr>
-            <a:r>
-              <a:rPr lang="ru"/>
-              <a:t>BTW ми уже в топі на itch.io. [В душі не єбу чого гра там.]</a:t>
-            </a:r>
-            <a:endParaRPr/>
-          </a:p>
-        </p:txBody>
-      </p:sp>
-      <p:pic>
-        <p:nvPicPr>
-          <p:cNvPr id="81" name="Google Shape;81;p17"/>
-          <p:cNvPicPr preferRelativeResize="0"/>
-          <p:nvPr/>
-        </p:nvPicPr>
-        <p:blipFill>
-          <a:blip r:embed="rId3">
-            <a:alphaModFix/>
-          </a:blip>
-          <a:stretch>
-            <a:fillRect/>
-          </a:stretch>
-        </p:blipFill>
-        <p:spPr>
-          <a:xfrm>
-            <a:off x="186600" y="1344550"/>
-            <a:ext cx="5265576" cy="2906300"/>
-          </a:xfrm>
-          <a:prstGeom prst="rect">
-            <a:avLst/>
-          </a:prstGeom>
-          <a:noFill/>
-          <a:ln>
-            <a:noFill/>
-          </a:ln>
-        </p:spPr>
-      </p:pic>
-    </p:spTree>
-  </p:cSld>
-  <p:clrMapOvr>
-    <a:masterClrMapping/>
-  </p:clrMapOvr>
-</p:sld>
-</file>
-
-<file path=ppt/slides/slide6.xml><?xml version="1.0" encoding="utf-8"?>
-<p:sld xmlns:a="http://schemas.openxmlformats.org/drawingml/2006/main" xmlns:r="http://schemas.openxmlformats.org/officeDocument/2006/relationships" xmlns:mc="http://schemas.openxmlformats.org/markup-compatibility/2006" xmlns:mv="urn:schemas-microsoft-com:mac:vml" xmlns:p="http://schemas.openxmlformats.org/presentationml/2006/main" xmlns:c="http://schemas.openxmlformats.org/drawingml/2006/chart" xmlns:dgm="http://schemas.openxmlformats.org/drawingml/2006/diagram" xmlns:o="urn:schemas-microsoft-com:office:office" xmlns:v="urn:schemas-microsoft-com:vml" xmlns:pvml="urn:schemas-microsoft-com:office:powerpoint" xmlns:com="http://schemas.openxmlformats.org/drawingml/2006/compatibility" xmlns:p14="http://schemas.microsoft.com/office/powerpoint/2010/main" xmlns:p15="http://schemas.microsoft.com/office/powerpoint/2012/main">
-  <p:cSld>
-    <p:spTree>
-      <p:nvGrpSpPr>
-        <p:cNvPr id="85" name="Shape 85"/>
-        <p:cNvGrpSpPr/>
-        <p:nvPr/>
-      </p:nvGrpSpPr>
-      <p:grpSpPr>
-        <a:xfrm>
-          <a:off x="0" y="0"/>
-          <a:ext cx="0" cy="0"/>
-          <a:chOff x="0" y="0"/>
-          <a:chExt cx="0" cy="0"/>
-        </a:xfrm>
-      </p:grpSpPr>
-      <p:sp>
-        <p:nvSpPr>
-          <p:cNvPr id="86" name="Google Shape;86;p18"/>
-          <p:cNvSpPr txBox="1"/>
-          <p:nvPr>
-            <p:ph type="title"/>
-          </p:nvPr>
-        </p:nvSpPr>
-        <p:spPr>
-          <a:xfrm>
-            <a:off x="311700" y="445025"/>
-            <a:ext cx="8520600" cy="572700"/>
-          </a:xfrm>
-          <a:prstGeom prst="rect">
-            <a:avLst/>
-          </a:prstGeom>
-        </p:spPr>
-        <p:txBody>
-          <a:bodyPr anchorCtr="0" anchor="t" bIns="91425" lIns="91425" spcFirstLastPara="1" rIns="91425" wrap="square" tIns="91425">
-            <a:noAutofit/>
-          </a:bodyPr>
-          <a:lstStyle/>
-          <a:p>
-            <a:pPr indent="0" lvl="0" marL="0" rtl="0" algn="l">
-              <a:spcBef>
-                <a:spcPts val="0"/>
-              </a:spcBef>
-              <a:spcAft>
-                <a:spcPts val="0"/>
-              </a:spcAft>
-              <a:buNone/>
-            </a:pPr>
-            <a:r>
-              <a:rPr lang="ru"/>
               <a:t>Our Monetization</a:t>
             </a:r>
             <a:endParaRPr/>
@@ -6869,7 +6804,7 @@
       </p:sp>
       <p:sp>
         <p:nvSpPr>
-          <p:cNvPr id="87" name="Google Shape;87;p18"/>
+          <p:cNvPr id="83" name="Google Shape;83;p17"/>
           <p:cNvSpPr txBox="1"/>
           <p:nvPr>
             <p:ph idx="1" type="body"/>
@@ -6895,29 +6830,17 @@
                 <a:spcPts val="0"/>
               </a:spcBef>
               <a:spcAft>
-                <a:spcPts val="0"/>
+                <a:spcPts val="1600"/>
               </a:spcAft>
               <a:buNone/>
             </a:pPr>
             <a:r>
               <a:rPr lang="ru"/>
-              <a:t>[Ору. Не можу серйозно говорити про монетизацию. За деньги вигідніше на работі поовертаймити, ніж свій проект робити лол. Напишіть хтось за мене цей слайд пж]</a:t>
+              <a:t>Донати з </a:t>
             </a:r>
-            <a:endParaRPr/>
-          </a:p>
-          <a:p>
-            <a:pPr indent="0" lvl="0" marL="0" rtl="0" algn="l">
-              <a:spcBef>
-                <a:spcPts val="1600"/>
-              </a:spcBef>
-              <a:spcAft>
-                <a:spcPts val="1600"/>
-              </a:spcAft>
-              <a:buNone/>
-            </a:pPr>
             <a:r>
               <a:rPr lang="ru"/>
-              <a:t>Ну на itch.io допустимо виставим гру. А вдруг хтось то задонатить. Будемо донати в копілочку ложити, і перші 100$ підуть на пабліш в Steam.</a:t>
+              <a:t>itch.io</a:t>
             </a:r>
             <a:endParaRPr/>
           </a:p>
@@ -6931,12 +6854,12 @@
 </p:sld>
 </file>
 
-<file path=ppt/slides/slide7.xml><?xml version="1.0" encoding="utf-8"?>
+<file path=ppt/slides/slide6.xml><?xml version="1.0" encoding="utf-8"?>
 <p:sld xmlns:a="http://schemas.openxmlformats.org/drawingml/2006/main" xmlns:r="http://schemas.openxmlformats.org/officeDocument/2006/relationships" xmlns:mc="http://schemas.openxmlformats.org/markup-compatibility/2006" xmlns:mv="urn:schemas-microsoft-com:mac:vml" xmlns:p="http://schemas.openxmlformats.org/presentationml/2006/main" xmlns:c="http://schemas.openxmlformats.org/drawingml/2006/chart" xmlns:dgm="http://schemas.openxmlformats.org/drawingml/2006/diagram" xmlns:o="urn:schemas-microsoft-com:office:office" xmlns:v="urn:schemas-microsoft-com:vml" xmlns:pvml="urn:schemas-microsoft-com:office:powerpoint" xmlns:com="http://schemas.openxmlformats.org/drawingml/2006/compatibility" xmlns:p14="http://schemas.microsoft.com/office/powerpoint/2010/main" xmlns:p15="http://schemas.microsoft.com/office/powerpoint/2012/main">
   <p:cSld>
     <p:spTree>
       <p:nvGrpSpPr>
-        <p:cNvPr id="91" name="Shape 91"/>
+        <p:cNvPr id="87" name="Shape 87"/>
         <p:cNvGrpSpPr/>
         <p:nvPr/>
       </p:nvGrpSpPr>
@@ -6950,7 +6873,7 @@
       </p:grpSpPr>
       <p:sp>
         <p:nvSpPr>
-          <p:cNvPr id="92" name="Google Shape;92;p19"/>
+          <p:cNvPr id="88" name="Google Shape;88;p18"/>
           <p:cNvSpPr txBox="1"/>
           <p:nvPr>
             <p:ph type="title"/>
@@ -7005,7 +6928,7 @@
       </p:sp>
       <p:sp>
         <p:nvSpPr>
-          <p:cNvPr id="93" name="Google Shape;93;p19"/>
+          <p:cNvPr id="89" name="Google Shape;89;p18"/>
           <p:cNvSpPr txBox="1"/>
           <p:nvPr>
             <p:ph idx="1" type="body"/>
@@ -7090,6 +7013,186 @@
             <a:r>
               <a:rPr lang="ru"/>
               <a:t>Тайловий генерируемий мир</a:t>
+            </a:r>
+            <a:endParaRPr/>
+          </a:p>
+        </p:txBody>
+      </p:sp>
+    </p:spTree>
+  </p:cSld>
+  <p:clrMapOvr>
+    <a:masterClrMapping/>
+  </p:clrMapOvr>
+</p:sld>
+</file>
+
+<file path=ppt/slides/slide7.xml><?xml version="1.0" encoding="utf-8"?>
+<p:sld xmlns:a="http://schemas.openxmlformats.org/drawingml/2006/main" xmlns:r="http://schemas.openxmlformats.org/officeDocument/2006/relationships" xmlns:mc="http://schemas.openxmlformats.org/markup-compatibility/2006" xmlns:mv="urn:schemas-microsoft-com:mac:vml" xmlns:p="http://schemas.openxmlformats.org/presentationml/2006/main" xmlns:c="http://schemas.openxmlformats.org/drawingml/2006/chart" xmlns:dgm="http://schemas.openxmlformats.org/drawingml/2006/diagram" xmlns:o="urn:schemas-microsoft-com:office:office" xmlns:v="urn:schemas-microsoft-com:vml" xmlns:pvml="urn:schemas-microsoft-com:office:powerpoint" xmlns:com="http://schemas.openxmlformats.org/drawingml/2006/compatibility" xmlns:p14="http://schemas.microsoft.com/office/powerpoint/2010/main" xmlns:p15="http://schemas.microsoft.com/office/powerpoint/2012/main">
+  <p:cSld>
+    <p:spTree>
+      <p:nvGrpSpPr>
+        <p:cNvPr id="93" name="Shape 93"/>
+        <p:cNvGrpSpPr/>
+        <p:nvPr/>
+      </p:nvGrpSpPr>
+      <p:grpSpPr>
+        <a:xfrm>
+          <a:off x="0" y="0"/>
+          <a:ext cx="0" cy="0"/>
+          <a:chOff x="0" y="0"/>
+          <a:chExt cx="0" cy="0"/>
+        </a:xfrm>
+      </p:grpSpPr>
+      <p:sp>
+        <p:nvSpPr>
+          <p:cNvPr id="94" name="Google Shape;94;p19"/>
+          <p:cNvSpPr txBox="1"/>
+          <p:nvPr>
+            <p:ph type="title"/>
+          </p:nvPr>
+        </p:nvSpPr>
+        <p:spPr>
+          <a:xfrm>
+            <a:off x="274375" y="459950"/>
+            <a:ext cx="8520600" cy="572700"/>
+          </a:xfrm>
+          <a:prstGeom prst="rect">
+            <a:avLst/>
+          </a:prstGeom>
+        </p:spPr>
+        <p:txBody>
+          <a:bodyPr anchorCtr="0" anchor="t" bIns="91425" lIns="91425" spcFirstLastPara="1" rIns="91425" wrap="square" tIns="91425">
+            <a:noAutofit/>
+          </a:bodyPr>
+          <a:lstStyle/>
+          <a:p>
+            <a:pPr indent="0" lvl="0" marL="0" rtl="0" algn="l">
+              <a:spcBef>
+                <a:spcPts val="0"/>
+              </a:spcBef>
+              <a:spcAft>
+                <a:spcPts val="0"/>
+              </a:spcAft>
+              <a:buNone/>
+            </a:pPr>
+            <a:r>
+              <a:rPr lang="ru"/>
+              <a:t>Who we are?</a:t>
+            </a:r>
+            <a:endParaRPr/>
+          </a:p>
+          <a:p>
+            <a:pPr indent="0" lvl="0" marL="0" rtl="0" algn="l">
+              <a:spcBef>
+                <a:spcPts val="0"/>
+              </a:spcBef>
+              <a:spcAft>
+                <a:spcPts val="0"/>
+              </a:spcAft>
+              <a:buNone/>
+            </a:pPr>
+            <a:r>
+              <a:t/>
+            </a:r>
+            <a:endParaRPr/>
+          </a:p>
+        </p:txBody>
+      </p:sp>
+      <p:sp>
+        <p:nvSpPr>
+          <p:cNvPr id="95" name="Google Shape;95;p19"/>
+          <p:cNvSpPr txBox="1"/>
+          <p:nvPr>
+            <p:ph idx="1" type="body"/>
+          </p:nvPr>
+        </p:nvSpPr>
+        <p:spPr>
+          <a:xfrm>
+            <a:off x="311700" y="1152475"/>
+            <a:ext cx="8520600" cy="3416400"/>
+          </a:xfrm>
+          <a:prstGeom prst="rect">
+            <a:avLst/>
+          </a:prstGeom>
+        </p:spPr>
+        <p:txBody>
+          <a:bodyPr anchorCtr="0" anchor="t" bIns="91425" lIns="91425" spcFirstLastPara="1" rIns="91425" wrap="square" tIns="91425">
+            <a:noAutofit/>
+          </a:bodyPr>
+          <a:lstStyle/>
+          <a:p>
+            <a:pPr indent="0" lvl="0" marL="0" rtl="0" algn="l">
+              <a:spcBef>
+                <a:spcPts val="0"/>
+              </a:spcBef>
+              <a:spcAft>
+                <a:spcPts val="0"/>
+              </a:spcAft>
+              <a:buNone/>
+            </a:pPr>
+            <a:r>
+              <a:rPr lang="ru"/>
+              <a:t>@Team0on - </a:t>
+            </a:r>
+            <a:r>
+              <a:rPr lang="ru"/>
+              <a:t>Programmer (ФІОТ, 1 курс)</a:t>
+            </a:r>
+            <a:endParaRPr/>
+          </a:p>
+          <a:p>
+            <a:pPr indent="0" lvl="0" marL="0" rtl="0" algn="l">
+              <a:spcBef>
+                <a:spcPts val="1600"/>
+              </a:spcBef>
+              <a:spcAft>
+                <a:spcPts val="0"/>
+              </a:spcAft>
+              <a:buNone/>
+            </a:pPr>
+            <a:r>
+              <a:rPr lang="ru"/>
+              <a:t>@ambyss - Programmer (ФЕЛ, 2 курс)</a:t>
+            </a:r>
+            <a:endParaRPr/>
+          </a:p>
+          <a:p>
+            <a:pPr indent="0" lvl="0" marL="0" rtl="0" algn="l">
+              <a:spcBef>
+                <a:spcPts val="1600"/>
+              </a:spcBef>
+              <a:spcAft>
+                <a:spcPts val="0"/>
+              </a:spcAft>
+              <a:buNone/>
+            </a:pPr>
+            <a:r>
+              <a:rPr lang="ru"/>
+              <a:t>@Felt_news_n - Programmer </a:t>
+            </a:r>
+            <a:r>
+              <a:rPr lang="ru"/>
+              <a:t>(ФІОТ, 1 курс)</a:t>
+            </a:r>
+            <a:endParaRPr/>
+          </a:p>
+          <a:p>
+            <a:pPr indent="0" lvl="0" marL="0" rtl="0" algn="l">
+              <a:spcBef>
+                <a:spcPts val="1600"/>
+              </a:spcBef>
+              <a:spcAft>
+                <a:spcPts val="1600"/>
+              </a:spcAft>
+              <a:buNone/>
+            </a:pPr>
+            <a:r>
+              <a:rPr lang="ru"/>
+              <a:t>@long_as_python - Artist </a:t>
+            </a:r>
+            <a:r>
+              <a:rPr lang="ru"/>
+              <a:t>(не КПІ, 1 курс)</a:t>
             </a:r>
             <a:endParaRPr/>
           </a:p>
